--- a/presentation/in615ht_nlb_project_presentation.pptx
+++ b/presentation/in615ht_nlb_project_presentation.pptx
@@ -285,6 +285,7 @@
     <p1510:client id="{7AE8BB21-01BF-EC84-D605-F50F11C286FC}" v="73" dt="2023-05-28T19:36:57.449"/>
     <p1510:client id="{A87FEA5C-094C-8B1C-935C-CA0637AC9925}" v="2" dt="2023-05-27T17:15:03.358"/>
     <p1510:client id="{DD45A03E-8DF3-4C8B-85B8-161651B397E5}" v="1032" dt="2023-05-27T19:06:46.932"/>
+    <p1510:client id="{E0996E9E-9E23-F7FF-EFB0-D19C13A3DF29}" v="75" dt="2023-05-30T20:04:45.099"/>
     <p1510:client id="{F5D24DF2-6B59-EAF6-463B-D27F55DAB5C0}" v="647" dt="2023-05-28T15:12:50.674"/>
     <p1510:client id="{FEC83EDE-BA41-2E42-5B68-7550F43C286B}" v="508" dt="2023-05-28T19:19:46.144"/>
   </p1510:revLst>
@@ -13849,22 +13850,16 @@
           <a:lstStyle/>
           <a:p>
             <a:r>
-              <a:rPr lang="en-US" dirty="0"/>
+              <a:rPr lang="en-US"/>
               <a:t>All models are available on </a:t>
             </a:r>
             <a:r>
-              <a:rPr lang="en-US" b="1" dirty="0">
+              <a:rPr lang="en-US" b="1">
                 <a:hlinkClick r:id="rId2"/>
               </a:rPr>
-              <a:t>HuggingFace</a:t>
+              <a:t>HuggingFace.</a:t>
             </a:r>
-            <a:r>
-              <a:rPr lang="en-US" b="1" dirty="0">
-                <a:hlinkClick r:id="rId2"/>
-              </a:rPr>
-              <a:t>.</a:t>
-            </a:r>
-            <a:endParaRPr lang="en-US" b="1" dirty="0"/>
+            <a:endParaRPr lang="en-US" b="1"/>
           </a:p>
           <a:p>
             <a:pPr>
@@ -16490,7 +16485,7 @@
           <a:p>
             <a:pPr algn="ctr"/>
             <a:r>
-              <a:rPr lang="en" sz="1700" b="1" dirty="0">
+              <a:rPr lang="en" sz="1700" b="1">
                 <a:solidFill>
                   <a:schemeClr val="dk1"/>
                 </a:solidFill>
@@ -16502,7 +16497,7 @@
           <a:p>
             <a:pPr algn="ctr"/>
             <a:r>
-              <a:rPr lang="en" sz="1700" b="1" dirty="0">
+              <a:rPr lang="en" sz="1700" b="1">
                 <a:solidFill>
                   <a:schemeClr val="dk1"/>
                 </a:solidFill>
@@ -16603,7 +16598,7 @@
               </a:lnSpc>
             </a:pPr>
             <a:r>
-              <a:rPr lang="en" dirty="0">
+              <a:rPr lang="en">
                 <a:solidFill>
                   <a:schemeClr val="dk1"/>
                 </a:solidFill>
@@ -16611,7 +16606,7 @@
               </a:rPr>
               <a:t>Filtering</a:t>
             </a:r>
-            <a:endParaRPr lang="en-US" dirty="0">
+            <a:endParaRPr lang="en-US">
               <a:solidFill>
                 <a:schemeClr val="dk1"/>
               </a:solidFill>
@@ -16652,7 +16647,7 @@
           <a:p>
             <a:pPr algn="ctr"/>
             <a:r>
-              <a:rPr lang="en" dirty="0" err="1">
+              <a:rPr lang="en" err="1">
                 <a:solidFill>
                   <a:schemeClr val="dk1"/>
                 </a:solidFill>
@@ -16661,7 +16656,7 @@
               <a:t>SQuAD</a:t>
             </a:r>
             <a:r>
-              <a:rPr lang="en" dirty="0">
+              <a:rPr lang="en">
                 <a:solidFill>
                   <a:schemeClr val="dk1"/>
                 </a:solidFill>
@@ -16669,7 +16664,7 @@
               </a:rPr>
               <a:t> Formatting</a:t>
             </a:r>
-            <a:endParaRPr lang="en-US" dirty="0">
+            <a:endParaRPr lang="en-US">
               <a:solidFill>
                 <a:schemeClr val="dk1"/>
               </a:solidFill>
@@ -17093,16 +17088,7 @@
                 </a:solidFill>
                 <a:sym typeface="Atkinson Hyperlegible"/>
               </a:rPr>
-              <a:t>Variant</a:t>
-            </a:r>
-            <a:r>
-              <a:rPr lang="en" dirty="0">
-                <a:solidFill>
-                  <a:schemeClr val="dk1"/>
-                </a:solidFill>
-                <a:sym typeface="Atkinson Hyperlegible"/>
-              </a:rPr>
-              <a:t> Selection</a:t>
+              <a:t>Variant Selection</a:t>
             </a:r>
           </a:p>
         </p:txBody>
@@ -17180,7 +17166,7 @@
           <a:p>
             <a:pPr algn="ctr"/>
             <a:r>
-              <a:rPr lang="en" dirty="0">
+              <a:rPr lang="en">
                 <a:solidFill>
                   <a:schemeClr val="dk1"/>
                 </a:solidFill>
@@ -18446,7 +18432,7 @@
           <p:nvPr>
             <p:extLst>
               <p:ext uri="{D42A27DB-BD31-4B8C-83A1-F6EECF244321}">
-                <p14:modId xmlns:p14="http://schemas.microsoft.com/office/powerpoint/2010/main" val="1875847217"/>
+                <p14:modId xmlns:p14="http://schemas.microsoft.com/office/powerpoint/2010/main" val="3909100644"/>
               </p:ext>
             </p:extLst>
           </p:nvPr>
@@ -18586,7 +18572,7 @@
                         <a:buNone/>
                       </a:pPr>
                       <a:r>
-                        <a:rPr lang="en" sz="700" b="1">
+                        <a:rPr lang="en" sz="700" b="1" dirty="0">
                           <a:solidFill>
                             <a:schemeClr val="dk1"/>
                           </a:solidFill>
@@ -18594,7 +18580,7 @@
                         </a:rPr>
                         <a:t>Bert</a:t>
                       </a:r>
-                      <a:endParaRPr lang="en-US" sz="700"/>
+                      <a:endParaRPr lang="en-US" sz="700" dirty="0"/>
                     </a:p>
                     <a:p>
                       <a:pPr marL="0" lvl="0" indent="0" algn="ctr">
@@ -18607,7 +18593,7 @@
                         <a:buNone/>
                       </a:pPr>
                       <a:r>
-                        <a:rPr lang="en" sz="700" b="1">
+                        <a:rPr lang="en" sz="700" b="1" dirty="0">
                           <a:solidFill>
                             <a:schemeClr val="dk1"/>
                           </a:solidFill>
@@ -18615,7 +18601,7 @@
                         </a:rPr>
                         <a:t>Precision</a:t>
                       </a:r>
-                      <a:endParaRPr sz="700">
+                      <a:endParaRPr sz="700" dirty="0">
                         <a:sym typeface="Epilogue"/>
                       </a:endParaRPr>
                     </a:p>
@@ -18679,7 +18665,7 @@
                         <a:buNone/>
                       </a:pPr>
                       <a:r>
-                        <a:rPr lang="en" sz="700" b="1">
+                        <a:rPr lang="en" sz="700" b="1" dirty="0">
                           <a:solidFill>
                             <a:schemeClr val="dk1"/>
                           </a:solidFill>
@@ -18687,7 +18673,7 @@
                         </a:rPr>
                         <a:t>Bert</a:t>
                       </a:r>
-                      <a:endParaRPr lang="en-US" sz="700"/>
+                      <a:endParaRPr lang="en-US" sz="700" dirty="0"/>
                     </a:p>
                     <a:p>
                       <a:pPr marL="0" lvl="0" indent="0" algn="ctr">
@@ -18700,7 +18686,7 @@
                         <a:buNone/>
                       </a:pPr>
                       <a:r>
-                        <a:rPr lang="en" sz="700" b="1">
+                        <a:rPr lang="en" sz="700" b="1" dirty="0">
                           <a:solidFill>
                             <a:schemeClr val="dk1"/>
                           </a:solidFill>
@@ -18708,7 +18694,7 @@
                         </a:rPr>
                         <a:t>Recall</a:t>
                       </a:r>
-                      <a:endParaRPr sz="700">
+                      <a:endParaRPr sz="700" dirty="0">
                         <a:sym typeface="Epilogue"/>
                       </a:endParaRPr>
                     </a:p>
@@ -18772,15 +18758,36 @@
                         <a:buNone/>
                       </a:pPr>
                       <a:r>
-                        <a:rPr lang="en" sz="700" b="1">
+                        <a:rPr lang="en" sz="700" b="1" dirty="0">
                           <a:solidFill>
                             <a:schemeClr val="dk1"/>
                           </a:solidFill>
                           <a:latin typeface="Epilogue"/>
                         </a:rPr>
-                        <a:t>Bert.F1</a:t>
+                        <a:t>Bert</a:t>
                       </a:r>
-                      <a:endParaRPr sz="700">
+                      <a:endParaRPr lang="en-US" sz="700" dirty="0"/>
+                    </a:p>
+                    <a:p>
+                      <a:pPr marL="0" lvl="0" indent="0" algn="ctr">
+                        <a:spcBef>
+                          <a:spcPts val="0"/>
+                        </a:spcBef>
+                        <a:spcAft>
+                          <a:spcPts val="0"/>
+                        </a:spcAft>
+                        <a:buNone/>
+                      </a:pPr>
+                      <a:r>
+                        <a:rPr lang="en" sz="700" b="1" dirty="0">
+                          <a:solidFill>
+                            <a:schemeClr val="dk1"/>
+                          </a:solidFill>
+                          <a:latin typeface="Epilogue"/>
+                        </a:rPr>
+                        <a:t>F1</a:t>
+                      </a:r>
+                      <a:endParaRPr sz="700" dirty="0">
                         <a:sym typeface="Epilogue"/>
                       </a:endParaRPr>
                     </a:p>
@@ -18844,7 +18851,7 @@
                         <a:buNone/>
                       </a:pPr>
                       <a:r>
-                        <a:rPr lang="en" sz="700" b="1">
+                        <a:rPr lang="en" sz="700" b="1" dirty="0">
                           <a:solidFill>
                             <a:schemeClr val="dk1"/>
                           </a:solidFill>
@@ -18854,7 +18861,7 @@
                         </a:rPr>
                         <a:t>Bleu</a:t>
                       </a:r>
-                      <a:endParaRPr lang="en" sz="700" b="1">
+                      <a:endParaRPr lang="en" sz="700" b="1" dirty="0">
                         <a:solidFill>
                           <a:schemeClr val="dk1"/>
                         </a:solidFill>
@@ -18926,6 +18933,14 @@
                         </a:rPr>
                         <a:t>SQuAD</a:t>
                       </a:r>
+                      <a:endParaRPr lang="en" sz="700" b="1" dirty="0" err="1">
+                        <a:solidFill>
+                          <a:schemeClr val="dk1"/>
+                        </a:solidFill>
+                        <a:latin typeface="Epilogue"/>
+                        <a:ea typeface="Epilogue"/>
+                        <a:cs typeface="Epilogue"/>
+                      </a:endParaRPr>
                     </a:p>
                     <a:p>
                       <a:pPr marL="0" lvl="0" indent="0" algn="ctr">
@@ -18938,7 +18953,7 @@
                         <a:buNone/>
                       </a:pPr>
                       <a:r>
-                        <a:rPr lang="en" sz="700" b="1">
+                        <a:rPr lang="en" sz="700" b="1" dirty="0">
                           <a:solidFill>
                             <a:schemeClr val="dk1"/>
                           </a:solidFill>
@@ -18948,7 +18963,7 @@
                         </a:rPr>
                         <a:t>Exact</a:t>
                       </a:r>
-                      <a:endParaRPr lang="en" sz="700" b="1">
+                      <a:endParaRPr lang="en" sz="700" b="1" dirty="0">
                         <a:solidFill>
                           <a:schemeClr val="dk1"/>
                         </a:solidFill>
@@ -19016,6 +19031,14 @@
                         </a:rPr>
                         <a:t>SQuAD</a:t>
                       </a:r>
+                      <a:endParaRPr lang="en" sz="700" b="1" dirty="0" err="1">
+                        <a:solidFill>
+                          <a:schemeClr val="dk1"/>
+                        </a:solidFill>
+                        <a:latin typeface="Epilogue"/>
+                        <a:ea typeface="Epilogue"/>
+                        <a:cs typeface="Epilogue"/>
+                      </a:endParaRPr>
                     </a:p>
                     <a:p>
                       <a:pPr marL="0" lvl="0" indent="0" algn="ctr">
@@ -19028,7 +19051,7 @@
                         <a:buNone/>
                       </a:pPr>
                       <a:r>
-                        <a:rPr lang="en" sz="700" b="1">
+                        <a:rPr lang="en" sz="700" b="1" dirty="0">
                           <a:solidFill>
                             <a:schemeClr val="dk1"/>
                           </a:solidFill>
@@ -19038,7 +19061,7 @@
                         </a:rPr>
                         <a:t>F1</a:t>
                       </a:r>
-                      <a:endParaRPr lang="en" sz="700" b="1">
+                      <a:endParaRPr lang="en" sz="700" b="1" dirty="0">
                         <a:solidFill>
                           <a:schemeClr val="dk1"/>
                         </a:solidFill>
@@ -19175,14 +19198,14 @@
                         <a:buNone/>
                       </a:pPr>
                       <a:r>
-                        <a:rPr lang="en-US" sz="1100">
+                        <a:rPr lang="en-US" sz="1100" dirty="0">
                           <a:latin typeface="Roboto Black"/>
                           <a:ea typeface="Roboto Black"/>
                           <a:cs typeface="Roboto Black"/>
                         </a:rPr>
                         <a:t>86.98</a:t>
                       </a:r>
-                      <a:endParaRPr sz="1100">
+                      <a:endParaRPr sz="1100" dirty="0">
                         <a:latin typeface="Roboto Black"/>
                         <a:ea typeface="Roboto Black"/>
                         <a:cs typeface="Roboto Black"/>
@@ -19247,14 +19270,14 @@
                         <a:buNone/>
                       </a:pPr>
                       <a:r>
-                        <a:rPr lang="en-US" sz="1100">
+                        <a:rPr lang="en-US" sz="1100" dirty="0">
                           <a:latin typeface="Roboto Black"/>
                           <a:ea typeface="Roboto Black"/>
                           <a:cs typeface="Roboto Black"/>
                         </a:rPr>
                         <a:t>86.94</a:t>
                       </a:r>
-                      <a:endParaRPr>
+                      <a:endParaRPr dirty="0">
                         <a:sym typeface="Roboto Black"/>
                       </a:endParaRPr>
                     </a:p>
@@ -19316,14 +19339,14 @@
                         <a:buNone/>
                       </a:pPr>
                       <a:r>
-                        <a:rPr lang="en-US" sz="1100">
+                        <a:rPr lang="en-US" sz="1100" dirty="0">
                           <a:latin typeface="Roboto Black"/>
                           <a:ea typeface="Roboto Black"/>
                           <a:cs typeface="Roboto Black"/>
                         </a:rPr>
                         <a:t>86.93</a:t>
                       </a:r>
-                      <a:endParaRPr sz="1100">
+                      <a:endParaRPr sz="1100" dirty="0">
                         <a:latin typeface="Roboto Black"/>
                         <a:ea typeface="Roboto Black"/>
                         <a:cs typeface="Roboto Black"/>
@@ -19388,14 +19411,14 @@
                         <a:buNone/>
                       </a:pPr>
                       <a:r>
-                        <a:rPr lang="en-US" sz="1100">
+                        <a:rPr lang="en-US" sz="1100" dirty="0">
                           <a:latin typeface="Roboto Black"/>
                           <a:ea typeface="Roboto Black"/>
                           <a:cs typeface="Roboto Black"/>
                         </a:rPr>
                         <a:t>0</a:t>
                       </a:r>
-                      <a:endParaRPr sz="1100">
+                      <a:endParaRPr sz="1100" dirty="0">
                         <a:latin typeface="Roboto Black"/>
                         <a:ea typeface="Roboto Black"/>
                         <a:cs typeface="Roboto Black"/>
@@ -19452,14 +19475,14 @@
                         <a:buNone/>
                       </a:pPr>
                       <a:r>
-                        <a:rPr lang="en-US" sz="1100">
+                        <a:rPr lang="en-US" sz="1100" dirty="0">
                           <a:latin typeface="Roboto Black"/>
                           <a:ea typeface="Roboto Black"/>
                           <a:cs typeface="Roboto Black"/>
                         </a:rPr>
                         <a:t>4.76</a:t>
                       </a:r>
-                      <a:endParaRPr sz="1100">
+                      <a:endParaRPr sz="1100" dirty="0">
                         <a:latin typeface="Roboto Black"/>
                         <a:ea typeface="Roboto Black"/>
                         <a:cs typeface="Roboto Black"/>
@@ -19515,14 +19538,14 @@
                         <a:buNone/>
                       </a:pPr>
                       <a:r>
-                        <a:rPr lang="en-US" sz="1100">
+                        <a:rPr lang="en-US" sz="1100" dirty="0">
                           <a:latin typeface="Roboto Black"/>
                           <a:ea typeface="Roboto Black"/>
                           <a:cs typeface="Roboto Black"/>
                         </a:rPr>
                         <a:t>11.58</a:t>
                       </a:r>
-                      <a:endParaRPr sz="1100">
+                      <a:endParaRPr sz="1100" dirty="0">
                         <a:latin typeface="Roboto Black"/>
                         <a:ea typeface="Roboto Black"/>
                         <a:cs typeface="Roboto Black"/>
@@ -19650,14 +19673,14 @@
                         <a:buNone/>
                       </a:pPr>
                       <a:r>
-                        <a:rPr lang="en-US" sz="1100">
+                        <a:rPr lang="en-US" sz="1100" dirty="0">
                           <a:latin typeface="Roboto Black"/>
                           <a:ea typeface="Roboto Black"/>
                           <a:cs typeface="Roboto Black"/>
                         </a:rPr>
                         <a:t>88.15</a:t>
                       </a:r>
-                      <a:endParaRPr>
+                      <a:endParaRPr dirty="0">
                         <a:sym typeface="Roboto Black"/>
                       </a:endParaRPr>
                     </a:p>
@@ -19719,14 +19742,14 @@
                         <a:buNone/>
                       </a:pPr>
                       <a:r>
-                        <a:rPr lang="en-US" sz="1100">
+                        <a:rPr lang="en-US" sz="1100" dirty="0">
                           <a:latin typeface="Roboto Black"/>
                           <a:ea typeface="Roboto Black"/>
                           <a:cs typeface="Roboto Black"/>
                         </a:rPr>
                         <a:t>87.33</a:t>
                       </a:r>
-                      <a:endParaRPr sz="1100">
+                      <a:endParaRPr sz="1100" dirty="0">
                         <a:latin typeface="Roboto Black"/>
                         <a:ea typeface="Roboto Black"/>
                         <a:cs typeface="Roboto Black"/>
@@ -19791,14 +19814,14 @@
                         <a:buNone/>
                       </a:pPr>
                       <a:r>
-                        <a:rPr lang="en-US" sz="1100">
+                        <a:rPr lang="en-US" sz="1100" dirty="0">
                           <a:latin typeface="Roboto Black"/>
                           <a:ea typeface="Roboto Black"/>
                           <a:cs typeface="Roboto Black"/>
                         </a:rPr>
                         <a:t>87.63</a:t>
                       </a:r>
-                      <a:endParaRPr sz="1100">
+                      <a:endParaRPr sz="1100" dirty="0">
                         <a:latin typeface="Roboto Black"/>
                         <a:ea typeface="Roboto Black"/>
                         <a:cs typeface="Roboto Black"/>
@@ -19863,14 +19886,14 @@
                         <a:buNone/>
                       </a:pPr>
                       <a:r>
-                        <a:rPr lang="en-US" sz="1100">
+                        <a:rPr lang="en-US" sz="1100" dirty="0">
                           <a:latin typeface="Roboto Black"/>
                           <a:ea typeface="Roboto Black"/>
                           <a:cs typeface="Roboto Black"/>
                         </a:rPr>
                         <a:t>4.61</a:t>
                       </a:r>
-                      <a:endParaRPr>
+                      <a:endParaRPr dirty="0">
                         <a:sym typeface="Roboto Black"/>
                       </a:endParaRPr>
                     </a:p>
@@ -19924,14 +19947,14 @@
                         <a:buNone/>
                       </a:pPr>
                       <a:r>
-                        <a:rPr lang="en-US" sz="1100">
+                        <a:rPr lang="en-US" sz="1100" dirty="0">
                           <a:latin typeface="Roboto Black"/>
                           <a:ea typeface="Roboto Black"/>
                           <a:cs typeface="Roboto Black"/>
                         </a:rPr>
                         <a:t>4.76</a:t>
                       </a:r>
-                      <a:endParaRPr sz="1100">
+                      <a:endParaRPr sz="1100" dirty="0">
                         <a:latin typeface="Roboto Black"/>
                         <a:ea typeface="Roboto Black"/>
                         <a:cs typeface="Roboto Black"/>
@@ -19987,14 +20010,14 @@
                         <a:buNone/>
                       </a:pPr>
                       <a:r>
-                        <a:rPr lang="en-US" sz="1100">
+                        <a:rPr lang="en-US" sz="1100" dirty="0">
                           <a:latin typeface="Roboto Black"/>
                           <a:ea typeface="Roboto Black"/>
                           <a:cs typeface="Roboto Black"/>
                         </a:rPr>
                         <a:t>21.53</a:t>
                       </a:r>
-                      <a:endParaRPr sz="1100">
+                      <a:endParaRPr sz="1100" dirty="0">
                         <a:latin typeface="Roboto Black"/>
                         <a:ea typeface="Roboto Black"/>
                         <a:cs typeface="Roboto Black"/>
@@ -20053,7 +20076,7 @@
                         <a:buNone/>
                       </a:pPr>
                       <a:r>
-                        <a:rPr lang="en" sz="1200">
+                        <a:rPr lang="en" sz="1200" dirty="0">
                           <a:solidFill>
                             <a:schemeClr val="dk1"/>
                           </a:solidFill>
@@ -20061,7 +20084,7 @@
                         </a:rPr>
                         <a:t>T5-Small</a:t>
                       </a:r>
-                      <a:endParaRPr>
+                      <a:endParaRPr dirty="0">
                         <a:sym typeface="Atkinson Hyperlegible"/>
                       </a:endParaRPr>
                     </a:p>
@@ -20125,14 +20148,14 @@
                         <a:buNone/>
                       </a:pPr>
                       <a:r>
-                        <a:rPr lang="en-US" sz="1100">
+                        <a:rPr lang="en-US" sz="1100" dirty="0">
                           <a:latin typeface="Roboto Black"/>
                           <a:ea typeface="Roboto Black"/>
                           <a:cs typeface="Roboto Black"/>
                         </a:rPr>
                         <a:t>88.78</a:t>
                       </a:r>
-                      <a:endParaRPr sz="1100">
+                      <a:endParaRPr sz="1100" dirty="0">
                         <a:latin typeface="Roboto Black"/>
                         <a:ea typeface="Roboto Black"/>
                         <a:cs typeface="Roboto Black"/>
@@ -20200,14 +20223,14 @@
                         <a:buNone/>
                       </a:pPr>
                       <a:r>
-                        <a:rPr lang="en-US" sz="1100">
+                        <a:rPr lang="en-US" sz="1100" dirty="0">
                           <a:latin typeface="Roboto Black"/>
                           <a:ea typeface="Roboto Black"/>
                           <a:cs typeface="Roboto Black"/>
                         </a:rPr>
                         <a:t>87.44</a:t>
                       </a:r>
-                      <a:endParaRPr sz="1100">
+                      <a:endParaRPr sz="1100" dirty="0">
                         <a:latin typeface="Roboto Black"/>
                         <a:ea typeface="Roboto Black"/>
                         <a:cs typeface="Roboto Black"/>
@@ -20272,14 +20295,14 @@
                         <a:buNone/>
                       </a:pPr>
                       <a:r>
-                        <a:rPr lang="en-US" sz="1100">
+                        <a:rPr lang="en-US" sz="1100" dirty="0">
                           <a:latin typeface="Roboto Black"/>
                           <a:ea typeface="Roboto Black"/>
                           <a:cs typeface="Roboto Black"/>
                         </a:rPr>
                         <a:t>88.04</a:t>
                       </a:r>
-                      <a:endParaRPr>
+                      <a:endParaRPr dirty="0">
                         <a:sym typeface="Roboto Black"/>
                       </a:endParaRPr>
                     </a:p>
@@ -20344,14 +20367,14 @@
                         <a:buNone/>
                       </a:pPr>
                       <a:r>
-                        <a:rPr lang="en-US" sz="1100">
+                        <a:rPr lang="en-US" sz="1100" dirty="0">
                           <a:latin typeface="Roboto Black"/>
                           <a:ea typeface="Roboto Black"/>
                           <a:cs typeface="Roboto Black"/>
                         </a:rPr>
                         <a:t>13.48</a:t>
                       </a:r>
-                      <a:endParaRPr sz="1100">
+                      <a:endParaRPr sz="1100" dirty="0">
                         <a:latin typeface="Roboto Black"/>
                         <a:ea typeface="Roboto Black"/>
                         <a:cs typeface="Roboto Black"/>
@@ -20408,14 +20431,14 @@
                         <a:buNone/>
                       </a:pPr>
                       <a:r>
-                        <a:rPr lang="en-US" sz="1100">
+                        <a:rPr lang="en-US" sz="1100" dirty="0">
                           <a:latin typeface="Roboto Black"/>
                           <a:ea typeface="Roboto Black"/>
                           <a:cs typeface="Roboto Black"/>
                         </a:rPr>
                         <a:t>/</a:t>
                       </a:r>
-                      <a:endParaRPr sz="1100">
+                      <a:endParaRPr sz="1100" dirty="0">
                         <a:latin typeface="Roboto Black"/>
                         <a:ea typeface="Roboto Black"/>
                         <a:cs typeface="Roboto Black"/>
@@ -20468,14 +20491,14 @@
                         <a:buNone/>
                       </a:pPr>
                       <a:r>
-                        <a:rPr lang="en-US" sz="1100">
+                        <a:rPr lang="en-US" sz="1100" dirty="0">
                           <a:latin typeface="Roboto Black"/>
                           <a:ea typeface="Roboto Black"/>
                           <a:cs typeface="Roboto Black"/>
                         </a:rPr>
                         <a:t>/</a:t>
                       </a:r>
-                      <a:endParaRPr sz="1100">
+                      <a:endParaRPr sz="1100" dirty="0">
                         <a:latin typeface="Roboto Black"/>
                         <a:ea typeface="Roboto Black"/>
                         <a:cs typeface="Roboto Black"/>
@@ -20531,7 +20554,7 @@
                         <a:buNone/>
                       </a:pPr>
                       <a:r>
-                        <a:rPr lang="en" sz="1200">
+                        <a:rPr lang="en" sz="1200" dirty="0">
                           <a:solidFill>
                             <a:schemeClr val="dk1"/>
                           </a:solidFill>
@@ -20539,7 +20562,7 @@
                         </a:rPr>
                         <a:t>T5-Base</a:t>
                       </a:r>
-                      <a:endParaRPr>
+                      <a:endParaRPr dirty="0">
                         <a:sym typeface="Atkinson Hyperlegible"/>
                       </a:endParaRPr>
                     </a:p>
@@ -20603,14 +20626,14 @@
                         <a:buNone/>
                       </a:pPr>
                       <a:r>
-                        <a:rPr lang="en-US" sz="1100">
+                        <a:rPr lang="en-US" sz="1100" dirty="0">
                           <a:latin typeface="Roboto Black"/>
                           <a:ea typeface="Roboto Black"/>
                           <a:cs typeface="Roboto Black"/>
                         </a:rPr>
                         <a:t>86.11</a:t>
                       </a:r>
-                      <a:endParaRPr sz="1100">
+                      <a:endParaRPr sz="1100" dirty="0">
                         <a:latin typeface="Roboto Black"/>
                         <a:ea typeface="Roboto Black"/>
                         <a:cs typeface="Roboto Black"/>
@@ -20675,14 +20698,14 @@
                         <a:buNone/>
                       </a:pPr>
                       <a:r>
-                        <a:rPr lang="en-US" sz="1100">
+                        <a:rPr lang="en-US" sz="1100" dirty="0">
                           <a:latin typeface="Roboto Black"/>
                           <a:ea typeface="Roboto Black"/>
                           <a:cs typeface="Roboto Black"/>
                         </a:rPr>
                         <a:t>88.20</a:t>
                       </a:r>
-                      <a:endParaRPr>
+                      <a:endParaRPr dirty="0">
                         <a:sym typeface="Roboto Black"/>
                       </a:endParaRPr>
                     </a:p>
@@ -20747,14 +20770,14 @@
                         <a:buNone/>
                       </a:pPr>
                       <a:r>
-                        <a:rPr lang="en-US" sz="1100">
+                        <a:rPr lang="en-US" sz="1100" dirty="0">
                           <a:latin typeface="Roboto Black"/>
                           <a:ea typeface="Roboto Black"/>
                           <a:cs typeface="Roboto Black"/>
                         </a:rPr>
                         <a:t>87.06</a:t>
                       </a:r>
-                      <a:endParaRPr>
+                      <a:endParaRPr dirty="0">
                         <a:sym typeface="Roboto Black"/>
                       </a:endParaRPr>
                     </a:p>
@@ -20816,14 +20839,14 @@
                         <a:buNone/>
                       </a:pPr>
                       <a:r>
-                        <a:rPr lang="en-US" sz="1100">
+                        <a:rPr lang="en-US" sz="1100" dirty="0">
                           <a:latin typeface="Roboto Black"/>
                           <a:ea typeface="Roboto Black"/>
                           <a:cs typeface="Roboto Black"/>
                         </a:rPr>
                         <a:t>24.60</a:t>
                       </a:r>
-                      <a:endParaRPr sz="1100">
+                      <a:endParaRPr sz="1100" dirty="0">
                         <a:latin typeface="Roboto Black"/>
                         <a:ea typeface="Roboto Black"/>
                         <a:cs typeface="Roboto Black"/>
@@ -20883,14 +20906,14 @@
                         <a:buNone/>
                       </a:pPr>
                       <a:r>
-                        <a:rPr lang="en-US" sz="1100">
+                        <a:rPr lang="en-US" sz="1100" dirty="0">
                           <a:latin typeface="Roboto Black"/>
                           <a:ea typeface="Roboto Black"/>
                           <a:cs typeface="Roboto Black"/>
                         </a:rPr>
                         <a:t>/</a:t>
                       </a:r>
-                      <a:endParaRPr sz="1100">
+                      <a:endParaRPr sz="1100" dirty="0">
                         <a:latin typeface="Roboto Black"/>
                         <a:ea typeface="Roboto Black"/>
                         <a:cs typeface="Roboto Black"/>
@@ -20943,14 +20966,14 @@
                         <a:buNone/>
                       </a:pPr>
                       <a:r>
-                        <a:rPr lang="en-US" sz="1100">
+                        <a:rPr lang="en-US" sz="1100" dirty="0">
                           <a:latin typeface="Roboto Black"/>
                           <a:ea typeface="Roboto Black"/>
                           <a:cs typeface="Roboto Black"/>
                         </a:rPr>
                         <a:t>/</a:t>
                       </a:r>
-                      <a:endParaRPr sz="1100">
+                      <a:endParaRPr sz="1100" dirty="0">
                         <a:latin typeface="Roboto Black"/>
                         <a:ea typeface="Roboto Black"/>
                         <a:cs typeface="Roboto Black"/>
@@ -21454,7 +21477,7 @@
                         <a:buNone/>
                       </a:pPr>
                       <a:r>
-                        <a:rPr lang="en" sz="1200" err="1">
+                        <a:rPr lang="en" sz="1200" dirty="0" err="1">
                           <a:solidFill>
                             <a:schemeClr val="dk1"/>
                           </a:solidFill>
@@ -21464,7 +21487,7 @@
                         </a:rPr>
                         <a:t>Distilbert</a:t>
                       </a:r>
-                      <a:endParaRPr lang="en" sz="1200" err="1">
+                      <a:endParaRPr lang="en" sz="1200" dirty="0" err="1">
                         <a:solidFill>
                           <a:schemeClr val="dk1"/>
                         </a:solidFill>
@@ -21526,14 +21549,14 @@
                         <a:buNone/>
                       </a:pPr>
                       <a:r>
-                        <a:rPr lang="en-US" sz="1100">
+                        <a:rPr lang="en-US" sz="1100" dirty="0">
                           <a:latin typeface="Roboto Black"/>
                           <a:ea typeface="Roboto Black"/>
                           <a:cs typeface="Roboto Black"/>
                         </a:rPr>
                         <a:t>87.41</a:t>
                       </a:r>
-                      <a:endParaRPr sz="1100">
+                      <a:endParaRPr sz="1100" dirty="0">
                         <a:latin typeface="Roboto Black"/>
                         <a:ea typeface="Roboto Black"/>
                         <a:cs typeface="Roboto Black"/>
@@ -21590,14 +21613,14 @@
                         <a:buNone/>
                       </a:pPr>
                       <a:r>
-                        <a:rPr lang="en-US" sz="1100">
+                        <a:rPr lang="en-US" sz="1100" dirty="0">
                           <a:latin typeface="Roboto Black"/>
                           <a:ea typeface="Roboto Black"/>
                           <a:cs typeface="Roboto Black"/>
                         </a:rPr>
                         <a:t>87.19</a:t>
                       </a:r>
-                      <a:endParaRPr sz="1100">
+                      <a:endParaRPr sz="1100" dirty="0">
                         <a:latin typeface="Roboto Black"/>
                         <a:ea typeface="Roboto Black"/>
                         <a:cs typeface="Roboto Black"/>
@@ -21654,14 +21677,14 @@
                         <a:buNone/>
                       </a:pPr>
                       <a:r>
-                        <a:rPr lang="en-US" sz="1100">
+                        <a:rPr lang="en-US" sz="1100" dirty="0">
                           <a:latin typeface="Roboto Black"/>
                           <a:ea typeface="Roboto Black"/>
                           <a:cs typeface="Roboto Black"/>
                         </a:rPr>
                         <a:t>87.25</a:t>
                       </a:r>
-                      <a:endParaRPr sz="1100">
+                      <a:endParaRPr sz="1100" dirty="0">
                         <a:latin typeface="Roboto Black"/>
                         <a:ea typeface="Roboto Black"/>
                         <a:cs typeface="Roboto Black"/>
@@ -21718,14 +21741,14 @@
                         <a:buNone/>
                       </a:pPr>
                       <a:r>
-                        <a:rPr lang="en-US" sz="1100">
+                        <a:rPr lang="en-US" sz="1100" dirty="0">
                           <a:latin typeface="Roboto Black"/>
                           <a:ea typeface="Roboto Black"/>
                           <a:cs typeface="Roboto Black"/>
                         </a:rPr>
                         <a:t>0</a:t>
                       </a:r>
-                      <a:endParaRPr sz="1100">
+                      <a:endParaRPr sz="1100" dirty="0">
                         <a:latin typeface="Roboto Black"/>
                         <a:ea typeface="Roboto Black"/>
                         <a:cs typeface="Roboto Black"/>
@@ -21778,14 +21801,14 @@
                         <a:buNone/>
                       </a:pPr>
                       <a:r>
-                        <a:rPr lang="en-US" sz="1100">
+                        <a:rPr lang="en-US" sz="1100" dirty="0">
                           <a:latin typeface="Roboto Black"/>
                           <a:ea typeface="Roboto Black"/>
                           <a:cs typeface="Roboto Black"/>
                         </a:rPr>
                         <a:t>4.76</a:t>
                       </a:r>
-                      <a:endParaRPr>
+                      <a:endParaRPr dirty="0">
                         <a:sym typeface="Roboto Black"/>
                       </a:endParaRPr>
                     </a:p>
@@ -21835,14 +21858,14 @@
                         <a:buNone/>
                       </a:pPr>
                       <a:r>
-                        <a:rPr lang="en-US" sz="1100">
+                        <a:rPr lang="en-US" sz="1100" dirty="0">
                           <a:latin typeface="Roboto Black"/>
                           <a:ea typeface="Roboto Black"/>
                           <a:cs typeface="Roboto Black"/>
                         </a:rPr>
                         <a:t>16.87</a:t>
                       </a:r>
-                      <a:endParaRPr>
+                      <a:endParaRPr dirty="0">
                         <a:sym typeface="Roboto Black"/>
                       </a:endParaRPr>
                     </a:p>
@@ -21899,7 +21922,7 @@
                         <a:buNone/>
                       </a:pPr>
                       <a:r>
-                        <a:rPr lang="en" sz="1200" err="1">
+                        <a:rPr lang="en" sz="1200" dirty="0" err="1">
                           <a:solidFill>
                             <a:schemeClr val="dk1"/>
                           </a:solidFill>
@@ -21907,7 +21930,7 @@
                         </a:rPr>
                         <a:t>RoBERTa</a:t>
                       </a:r>
-                      <a:endParaRPr lang="en-US" err="1">
+                      <a:endParaRPr lang="en-US" dirty="0" err="1">
                         <a:sym typeface="Atkinson Hyperlegible"/>
                       </a:endParaRPr>
                     </a:p>
@@ -21959,14 +21982,14 @@
                         <a:buNone/>
                       </a:pPr>
                       <a:r>
-                        <a:rPr lang="en-US" sz="1100">
+                        <a:rPr lang="en-US" sz="1100" dirty="0">
                           <a:latin typeface="Roboto Black"/>
                           <a:ea typeface="Roboto Black"/>
                           <a:cs typeface="Roboto Black"/>
                         </a:rPr>
                         <a:t>88.78</a:t>
                       </a:r>
-                      <a:endParaRPr>
+                      <a:endParaRPr dirty="0">
                         <a:sym typeface="Roboto Black"/>
                       </a:endParaRPr>
                     </a:p>
@@ -22018,14 +22041,14 @@
                         <a:buNone/>
                       </a:pPr>
                       <a:r>
-                        <a:rPr lang="en-US" sz="1100">
+                        <a:rPr lang="en-US" sz="1100" dirty="0">
                           <a:latin typeface="Roboto Black"/>
                           <a:ea typeface="Roboto Black"/>
                           <a:cs typeface="Roboto Black"/>
                         </a:rPr>
                         <a:t>87.75</a:t>
                       </a:r>
-                      <a:endParaRPr>
+                      <a:endParaRPr dirty="0">
                         <a:sym typeface="Roboto Black"/>
                       </a:endParaRPr>
                     </a:p>
@@ -22077,14 +22100,14 @@
                         <a:buNone/>
                       </a:pPr>
                       <a:r>
-                        <a:rPr lang="en-US" sz="1100">
+                        <a:rPr lang="en-US" sz="1100" dirty="0">
                           <a:latin typeface="Roboto Black"/>
                           <a:ea typeface="Roboto Black"/>
                           <a:cs typeface="Roboto Black"/>
                         </a:rPr>
                         <a:t>88.21</a:t>
                       </a:r>
-                      <a:endParaRPr>
+                      <a:endParaRPr dirty="0">
                         <a:sym typeface="Roboto Black"/>
                       </a:endParaRPr>
                     </a:p>
@@ -22136,14 +22159,14 @@
                         <a:buNone/>
                       </a:pPr>
                       <a:r>
-                        <a:rPr lang="en-US" sz="1100">
+                        <a:rPr lang="en-US" sz="1100" dirty="0">
                           <a:latin typeface="Roboto Black"/>
                           <a:ea typeface="Roboto Black"/>
                           <a:cs typeface="Roboto Black"/>
                         </a:rPr>
                         <a:t>5.1</a:t>
                       </a:r>
-                      <a:endParaRPr>
+                      <a:endParaRPr dirty="0">
                         <a:sym typeface="Roboto Black"/>
                       </a:endParaRPr>
                     </a:p>
@@ -22193,14 +22216,14 @@
                         <a:buNone/>
                       </a:pPr>
                       <a:r>
-                        <a:rPr lang="en-US" sz="1100">
+                        <a:rPr lang="en-US" sz="1100" dirty="0">
                           <a:latin typeface="Roboto Black"/>
                           <a:ea typeface="Roboto Black"/>
                           <a:cs typeface="Roboto Black"/>
                         </a:rPr>
                         <a:t>14.29</a:t>
                       </a:r>
-                      <a:endParaRPr>
+                      <a:endParaRPr dirty="0">
                         <a:sym typeface="Roboto Black"/>
                       </a:endParaRPr>
                     </a:p>
@@ -22252,14 +22275,14 @@
                         <a:buNone/>
                       </a:pPr>
                       <a:r>
-                        <a:rPr lang="en-US" sz="1100">
+                        <a:rPr lang="en-US" sz="1100" dirty="0">
                           <a:latin typeface="Roboto Black"/>
                           <a:ea typeface="Roboto Black"/>
                           <a:cs typeface="Roboto Black"/>
                         </a:rPr>
                         <a:t>27.57</a:t>
                       </a:r>
-                      <a:endParaRPr>
+                      <a:endParaRPr dirty="0">
                         <a:sym typeface="Roboto Black"/>
                       </a:endParaRPr>
                     </a:p>
@@ -22318,7 +22341,7 @@
                         <a:buNone/>
                       </a:pPr>
                       <a:r>
-                        <a:rPr lang="en" sz="1200">
+                        <a:rPr lang="en" sz="1200" dirty="0">
                           <a:solidFill>
                             <a:schemeClr val="dk1"/>
                           </a:solidFill>
@@ -22328,7 +22351,7 @@
                         </a:rPr>
                         <a:t>T5-Small</a:t>
                       </a:r>
-                      <a:endParaRPr lang="en" sz="1200">
+                      <a:endParaRPr lang="en" sz="1200" dirty="0">
                         <a:solidFill>
                           <a:schemeClr val="dk1"/>
                         </a:solidFill>
@@ -22386,14 +22409,14 @@
                         <a:buNone/>
                       </a:pPr>
                       <a:r>
-                        <a:rPr lang="en-US" sz="1100">
+                        <a:rPr lang="en-US" sz="1100" dirty="0">
                           <a:latin typeface="Roboto Black"/>
                           <a:ea typeface="Roboto Black"/>
                           <a:cs typeface="Roboto Black"/>
                         </a:rPr>
                         <a:t>86.92</a:t>
                       </a:r>
-                      <a:endParaRPr sz="1100">
+                      <a:endParaRPr sz="1100" dirty="0">
                         <a:latin typeface="Roboto Black"/>
                         <a:ea typeface="Roboto Black"/>
                         <a:cs typeface="Roboto Black"/>
@@ -22446,14 +22469,14 @@
                         <a:buNone/>
                       </a:pPr>
                       <a:r>
-                        <a:rPr lang="en-US" sz="1100">
+                        <a:rPr lang="en-US" sz="1100" dirty="0">
                           <a:latin typeface="Roboto Black"/>
                           <a:ea typeface="Roboto Black"/>
                           <a:cs typeface="Roboto Black"/>
                         </a:rPr>
                         <a:t>85.23</a:t>
                       </a:r>
-                      <a:endParaRPr sz="1100">
+                      <a:endParaRPr sz="1100" dirty="0">
                         <a:latin typeface="Roboto Black"/>
                         <a:ea typeface="Roboto Black"/>
                         <a:cs typeface="Roboto Black"/>
@@ -22506,14 +22529,14 @@
                         <a:buNone/>
                       </a:pPr>
                       <a:r>
-                        <a:rPr lang="en-US" sz="1100">
+                        <a:rPr lang="en-US" sz="1100" dirty="0">
                           <a:latin typeface="Roboto Black"/>
                           <a:ea typeface="Roboto Black"/>
                           <a:cs typeface="Roboto Black"/>
                         </a:rPr>
                         <a:t>86.03</a:t>
                       </a:r>
-                      <a:endParaRPr sz="1100">
+                      <a:endParaRPr sz="1100" dirty="0">
                         <a:latin typeface="Roboto Black"/>
                         <a:ea typeface="Roboto Black"/>
                         <a:cs typeface="Roboto Black"/>
@@ -22566,14 +22589,14 @@
                         <a:buNone/>
                       </a:pPr>
                       <a:r>
-                        <a:rPr lang="en-US" sz="1100">
+                        <a:rPr lang="en-US" sz="1100" dirty="0">
                           <a:latin typeface="Roboto Black"/>
                           <a:ea typeface="Roboto Black"/>
                           <a:cs typeface="Roboto Black"/>
                         </a:rPr>
                         <a:t>0.88</a:t>
                       </a:r>
-                      <a:endParaRPr sz="1100">
+                      <a:endParaRPr sz="1100" dirty="0">
                         <a:latin typeface="Roboto Black"/>
                         <a:ea typeface="Roboto Black"/>
                         <a:cs typeface="Roboto Black"/>
@@ -22626,14 +22649,14 @@
                         <a:buNone/>
                       </a:pPr>
                       <a:r>
-                        <a:rPr lang="en-US" sz="1100">
+                        <a:rPr lang="en-US" sz="1100" dirty="0">
                           <a:latin typeface="Roboto Black"/>
                           <a:ea typeface="Roboto Black"/>
                           <a:cs typeface="Roboto Black"/>
                         </a:rPr>
                         <a:t>/</a:t>
                       </a:r>
-                      <a:endParaRPr sz="1100">
+                      <a:endParaRPr sz="1100" dirty="0">
                         <a:latin typeface="Roboto Black"/>
                         <a:ea typeface="Roboto Black"/>
                         <a:cs typeface="Roboto Black"/>
@@ -22686,14 +22709,14 @@
                         <a:buNone/>
                       </a:pPr>
                       <a:r>
-                        <a:rPr lang="en-US" sz="1100">
+                        <a:rPr lang="en-US" sz="1100" dirty="0">
                           <a:latin typeface="Roboto Black"/>
                           <a:ea typeface="Roboto Black"/>
                           <a:cs typeface="Roboto Black"/>
                         </a:rPr>
                         <a:t>/</a:t>
                       </a:r>
-                      <a:endParaRPr sz="1100">
+                      <a:endParaRPr sz="1100" dirty="0">
                         <a:latin typeface="Roboto Black"/>
                         <a:ea typeface="Roboto Black"/>
                         <a:cs typeface="Roboto Black"/>
@@ -22753,7 +22776,7 @@
                         <a:buNone/>
                       </a:pPr>
                       <a:r>
-                        <a:rPr lang="en" sz="1200">
+                        <a:rPr lang="en" sz="1200" dirty="0">
                           <a:solidFill>
                             <a:schemeClr val="dk1"/>
                           </a:solidFill>
@@ -22763,7 +22786,7 @@
                         </a:rPr>
                         <a:t>T5-Base</a:t>
                       </a:r>
-                      <a:endParaRPr lang="en" sz="1200">
+                      <a:endParaRPr lang="en" sz="1200" dirty="0">
                         <a:solidFill>
                           <a:schemeClr val="dk1"/>
                         </a:solidFill>
@@ -22817,14 +22840,14 @@
                         <a:buNone/>
                       </a:pPr>
                       <a:r>
-                        <a:rPr lang="en-US" sz="1100">
+                        <a:rPr lang="en-US" sz="1100" dirty="0">
                           <a:latin typeface="Roboto Black"/>
                           <a:ea typeface="Roboto Black"/>
                           <a:cs typeface="Roboto Black"/>
                         </a:rPr>
                         <a:t>85.45</a:t>
                       </a:r>
-                      <a:endParaRPr sz="1100">
+                      <a:endParaRPr sz="1100" dirty="0">
                         <a:latin typeface="Roboto Black"/>
                         <a:ea typeface="Roboto Black"/>
                         <a:cs typeface="Roboto Black"/>
@@ -22873,14 +22896,14 @@
                         <a:buNone/>
                       </a:pPr>
                       <a:r>
-                        <a:rPr lang="en-US" sz="1100">
+                        <a:rPr lang="en-US" sz="1100" dirty="0">
                           <a:latin typeface="Roboto Black"/>
                           <a:ea typeface="Roboto Black"/>
                           <a:cs typeface="Roboto Black"/>
                         </a:rPr>
                         <a:t>87.42</a:t>
                       </a:r>
-                      <a:endParaRPr sz="1100">
+                      <a:endParaRPr sz="1100" dirty="0">
                         <a:latin typeface="Roboto Black"/>
                         <a:ea typeface="Roboto Black"/>
                         <a:cs typeface="Roboto Black"/>
@@ -22929,14 +22952,14 @@
                         <a:buNone/>
                       </a:pPr>
                       <a:r>
-                        <a:rPr lang="en-US" sz="1100">
+                        <a:rPr lang="en-US" sz="1100" dirty="0">
                           <a:latin typeface="Roboto Black"/>
                           <a:ea typeface="Roboto Black"/>
                           <a:cs typeface="Roboto Black"/>
                         </a:rPr>
                         <a:t>86.38</a:t>
                       </a:r>
-                      <a:endParaRPr sz="1100">
+                      <a:endParaRPr sz="1100" dirty="0">
                         <a:latin typeface="Roboto Black"/>
                         <a:ea typeface="Roboto Black"/>
                         <a:cs typeface="Roboto Black"/>
@@ -22985,14 +23008,14 @@
                         <a:buNone/>
                       </a:pPr>
                       <a:r>
-                        <a:rPr lang="en-US" sz="1100">
+                        <a:rPr lang="en-US" sz="1100" dirty="0">
                           <a:latin typeface="Roboto Black"/>
                           <a:ea typeface="Roboto Black"/>
                           <a:cs typeface="Roboto Black"/>
                         </a:rPr>
                         <a:t>18.75</a:t>
                       </a:r>
-                      <a:endParaRPr sz="1100">
+                      <a:endParaRPr sz="1100" dirty="0">
                         <a:latin typeface="Roboto Black"/>
                         <a:ea typeface="Roboto Black"/>
                         <a:cs typeface="Roboto Black"/>
@@ -23043,14 +23066,14 @@
                         <a:buNone/>
                       </a:pPr>
                       <a:r>
-                        <a:rPr lang="en-US" sz="1100">
+                        <a:rPr lang="en-US" sz="1100" dirty="0">
                           <a:latin typeface="Roboto Black"/>
                           <a:ea typeface="Roboto Black"/>
                           <a:cs typeface="Roboto Black"/>
                         </a:rPr>
                         <a:t>/</a:t>
                       </a:r>
-                      <a:endParaRPr sz="1100">
+                      <a:endParaRPr sz="1100" dirty="0">
                         <a:latin typeface="Roboto Black"/>
                         <a:ea typeface="Roboto Black"/>
                         <a:cs typeface="Roboto Black"/>
@@ -23099,14 +23122,14 @@
                         <a:buNone/>
                       </a:pPr>
                       <a:r>
-                        <a:rPr lang="en-US" sz="1100">
+                        <a:rPr lang="en-US" sz="1100" dirty="0">
                           <a:latin typeface="Roboto Black"/>
                           <a:ea typeface="Roboto Black"/>
                           <a:cs typeface="Roboto Black"/>
                         </a:rPr>
                         <a:t>/</a:t>
                       </a:r>
-                      <a:endParaRPr sz="1100">
+                      <a:endParaRPr sz="1100" dirty="0">
                         <a:latin typeface="Roboto Black"/>
                         <a:ea typeface="Roboto Black"/>
                         <a:cs typeface="Roboto Black"/>
